--- a/eece2160/sp18/lectures/eece.2160sp18_lec24_structures.pptx
+++ b/eece2160/sp18/lectures/eece.2160sp18_lec24_structures.pptx
@@ -5,10 +5,10 @@
     <p:sldMasterId id="2147483792" r:id="rId1"/>
   </p:sldMasterIdLst>
   <p:notesMasterIdLst>
-    <p:notesMasterId r:id="rId16"/>
+    <p:notesMasterId r:id="rId14"/>
   </p:notesMasterIdLst>
   <p:handoutMasterIdLst>
-    <p:handoutMasterId r:id="rId17"/>
+    <p:handoutMasterId r:id="rId15"/>
   </p:handoutMasterIdLst>
   <p:sldIdLst>
     <p:sldId id="256" r:id="rId2"/>
@@ -22,9 +22,7 @@
     <p:sldId id="528" r:id="rId10"/>
     <p:sldId id="529" r:id="rId11"/>
     <p:sldId id="530" r:id="rId12"/>
-    <p:sldId id="531" r:id="rId13"/>
-    <p:sldId id="532" r:id="rId14"/>
-    <p:sldId id="410" r:id="rId15"/>
+    <p:sldId id="410" r:id="rId13"/>
   </p:sldIdLst>
   <p:sldSz cx="9144000" cy="6858000" type="screen4x3"/>
   <p:notesSz cx="9144000" cy="6858000"/>
@@ -1335,7 +1333,7 @@
             </a:pPr>
             <a:fld id="{4807CAE5-F48D-A340-80EE-DE098CD09BE2}" type="datetime1">
               <a:rPr lang="en-US" smtClean="0"/>
-              <a:t>3/30/18</a:t>
+              <a:t>4/4/18</a:t>
             </a:fld>
             <a:endParaRPr lang="en-US"/>
           </a:p>
@@ -1540,7 +1538,7 @@
             </a:pPr>
             <a:fld id="{1A5EA817-72C6-3D4C-95F9-312E9D85EFE1}" type="datetime1">
               <a:rPr lang="en-US" smtClean="0"/>
-              <a:t>3/30/18</a:t>
+              <a:t>4/4/18</a:t>
             </a:fld>
             <a:endParaRPr lang="en-US"/>
           </a:p>
@@ -1754,7 +1752,7 @@
             </a:pPr>
             <a:fld id="{B7078554-7969-E34F-87CE-5E0AE7124960}" type="datetime1">
               <a:rPr lang="en-US" smtClean="0"/>
-              <a:t>3/30/18</a:t>
+              <a:t>4/4/18</a:t>
             </a:fld>
             <a:endParaRPr lang="en-US"/>
           </a:p>
@@ -2025,7 +2023,7 @@
             </a:pPr>
             <a:fld id="{49F1D5C6-DF8E-A940-AE06-95FF99876F67}" type="datetime1">
               <a:rPr lang="en-US" smtClean="0"/>
-              <a:t>3/30/18</a:t>
+              <a:t>4/4/18</a:t>
             </a:fld>
             <a:endParaRPr lang="en-US"/>
           </a:p>
@@ -2296,7 +2294,7 @@
             </a:pPr>
             <a:fld id="{1EDBA6E9-EC61-854D-A342-C0515EB9A680}" type="datetime1">
               <a:rPr lang="en-US" smtClean="0"/>
-              <a:t>3/30/18</a:t>
+              <a:t>4/4/18</a:t>
             </a:fld>
             <a:endParaRPr lang="en-US"/>
           </a:p>
@@ -2500,7 +2498,7 @@
             </a:pPr>
             <a:fld id="{2F5213E8-57C3-A34E-A7EF-9341CE22F6D6}" type="datetime1">
               <a:rPr lang="en-US" smtClean="0"/>
-              <a:t>3/30/18</a:t>
+              <a:t>4/4/18</a:t>
             </a:fld>
             <a:endParaRPr lang="en-US"/>
           </a:p>
@@ -2726,7 +2724,7 @@
             </a:pPr>
             <a:fld id="{3FBA9FEA-263B-DD4E-A8CA-4D6742A13AA9}" type="datetime1">
               <a:rPr lang="en-US" smtClean="0"/>
-              <a:t>3/30/18</a:t>
+              <a:t>4/4/18</a:t>
             </a:fld>
             <a:endParaRPr lang="en-US"/>
           </a:p>
@@ -3048,7 +3046,7 @@
             </a:pPr>
             <a:fld id="{FFF8601A-3068-C54C-973F-6C477759D39B}" type="datetime1">
               <a:rPr lang="en-US" smtClean="0"/>
-              <a:t>3/30/18</a:t>
+              <a:t>4/4/18</a:t>
             </a:fld>
             <a:endParaRPr lang="en-US"/>
           </a:p>
@@ -3509,7 +3507,7 @@
             </a:pPr>
             <a:fld id="{0DDACB1E-BBDA-054D-A972-90DF9AAB770A}" type="datetime1">
               <a:rPr lang="en-US" smtClean="0"/>
-              <a:t>3/30/18</a:t>
+              <a:t>4/4/18</a:t>
             </a:fld>
             <a:endParaRPr lang="en-US"/>
           </a:p>
@@ -3661,7 +3659,7 @@
             </a:pPr>
             <a:fld id="{C2B81C7A-E744-DC40-8503-29AB0CDE3A77}" type="datetime1">
               <a:rPr lang="en-US" smtClean="0"/>
-              <a:t>3/30/18</a:t>
+              <a:t>4/4/18</a:t>
             </a:fld>
             <a:endParaRPr lang="en-US"/>
           </a:p>
@@ -3790,7 +3788,7 @@
             </a:pPr>
             <a:fld id="{D0D96241-831B-0C4E-B6AF-88AE17FAE97E}" type="datetime1">
               <a:rPr lang="en-US" smtClean="0"/>
-              <a:t>3/30/18</a:t>
+              <a:t>4/4/18</a:t>
             </a:fld>
             <a:endParaRPr lang="en-US"/>
           </a:p>
@@ -4101,7 +4099,7 @@
             </a:pPr>
             <a:fld id="{8CAA39D6-F25A-0344-AE0D-91D8A8FE036E}" type="datetime1">
               <a:rPr lang="en-US" smtClean="0"/>
-              <a:t>3/30/18</a:t>
+              <a:t>4/4/18</a:t>
             </a:fld>
             <a:endParaRPr lang="en-US"/>
           </a:p>
@@ -4389,7 +4387,7 @@
             </a:pPr>
             <a:fld id="{F2BCD755-56BA-1646-8FE7-CC9AE3F10184}" type="datetime1">
               <a:rPr lang="en-US" smtClean="0"/>
-              <a:t>3/30/18</a:t>
+              <a:t>4/4/18</a:t>
             </a:fld>
             <a:endParaRPr lang="en-US"/>
           </a:p>
@@ -4696,7 +4694,7 @@
             </a:pPr>
             <a:fld id="{532BE799-90A2-C149-94BF-C2636BAD61EB}" type="datetime1">
               <a:rPr lang="en-US" smtClean="0"/>
-              <a:t>3/30/18</a:t>
+              <a:t>4/4/18</a:t>
             </a:fld>
             <a:endParaRPr lang="en-US"/>
           </a:p>
@@ -5919,7 +5917,7 @@
                 <a:latin typeface="Garamond" charset="0"/>
                 <a:cs typeface="Arial" charset="0"/>
               </a:rPr>
-              <a:t>3/30/18</a:t>
+              <a:t>4/4/18</a:t>
             </a:fld>
             <a:endParaRPr lang="en-US" sz="1200">
               <a:latin typeface="Garamond" charset="0"/>
@@ -6471,7 +6469,7 @@
                 <a:latin typeface="Garamond" charset="0"/>
                 <a:cs typeface="Arial" charset="0"/>
               </a:rPr>
-              <a:t>3/30/18</a:t>
+              <a:t>4/4/18</a:t>
             </a:fld>
             <a:endParaRPr lang="en-US" sz="1200">
               <a:latin typeface="Garamond" charset="0"/>
@@ -6705,7 +6703,7 @@
       </p:grpSpPr>
       <p:sp>
         <p:nvSpPr>
-          <p:cNvPr id="29697" name="Title 1"/>
+          <p:cNvPr id="40961" name="Title 1"/>
           <p:cNvSpPr>
             <a:spLocks noGrp="1"/>
           </p:cNvSpPr>
@@ -6722,773 +6720,90 @@
               <a:rPr lang="en-US">
                 <a:latin typeface="Garamond" charset="0"/>
               </a:rPr>
-              <a:t>Example: Using structures</a:t>
-            </a:r>
-          </a:p>
-        </p:txBody>
-      </p:sp>
-      <p:sp>
-        <p:nvSpPr>
-          <p:cNvPr id="3" name="Content Placeholder 2"/>
+              <a:t>Final notes</a:t>
+            </a:r>
+          </a:p>
+        </p:txBody>
+      </p:sp>
+      <p:sp>
+        <p:nvSpPr>
+          <p:cNvPr id="40962" name="Content Placeholder 2"/>
           <p:cNvSpPr>
             <a:spLocks noGrp="1"/>
           </p:cNvSpPr>
           <p:nvPr>
-            <p:ph sz="half" idx="1"/>
-          </p:nvPr>
-        </p:nvSpPr>
-        <p:spPr>
-          <a:ln>
-            <a:solidFill>
-              <a:schemeClr val="bg2"/>
-            </a:solidFill>
-          </a:ln>
-        </p:spPr>
+            <p:ph idx="1"/>
+          </p:nvPr>
+        </p:nvSpPr>
+        <p:spPr/>
         <p:txBody>
           <a:bodyPr>
-            <a:normAutofit fontScale="62500" lnSpcReduction="20000"/>
+            <a:normAutofit/>
           </a:bodyPr>
           <a:lstStyle/>
           <a:p>
-            <a:pPr>
-              <a:buFont typeface="Wingdings" pitchFamily="2" charset="2"/>
-              <a:buChar char="n"/>
-              <a:defRPr/>
-            </a:pPr>
+            <a:r>
+              <a:rPr lang="en-US" dirty="0">
+                <a:latin typeface="Arial" charset="0"/>
+              </a:rPr>
+              <a:t>Next time</a:t>
+            </a:r>
+          </a:p>
+          <a:p>
+            <a:pPr lvl="1"/>
             <a:r>
               <a:rPr lang="en-US" dirty="0" smtClean="0">
-                <a:ea typeface="+mn-ea"/>
-              </a:rPr>
-              <a:t>What does the following print?</a:t>
-            </a:r>
-          </a:p>
-          <a:p>
-            <a:pPr>
-              <a:buFont typeface="Wingdings" pitchFamily="2" charset="2"/>
-              <a:buNone/>
-              <a:defRPr/>
-            </a:pPr>
-            <a:r>
-              <a:rPr lang="en-US" dirty="0" err="1" smtClean="0">
-                <a:latin typeface="Consolas"/>
-                <a:ea typeface="+mn-ea"/>
-              </a:rPr>
-              <a:t>typedef</a:t>
-            </a:r>
+                <a:latin typeface="Arial" charset="0"/>
+              </a:rPr>
+              <a:t>More on structures</a:t>
+            </a:r>
+            <a:endParaRPr lang="en-US" dirty="0">
+              <a:latin typeface="Arial" charset="0"/>
+            </a:endParaRPr>
+          </a:p>
+          <a:p>
+            <a:r>
+              <a:rPr lang="en-US" dirty="0">
+                <a:latin typeface="Arial" charset="0"/>
+              </a:rPr>
+              <a:t>Reminders:</a:t>
+            </a:r>
+          </a:p>
+          <a:p>
+            <a:pPr lvl="1"/>
             <a:r>
               <a:rPr lang="en-US" dirty="0" smtClean="0">
-                <a:latin typeface="Consolas"/>
-                <a:ea typeface="+mn-ea"/>
-              </a:rPr>
-              <a:t> </a:t>
-            </a:r>
-            <a:r>
-              <a:rPr lang="en-US" dirty="0" err="1" smtClean="0">
-                <a:latin typeface="Consolas"/>
-                <a:ea typeface="+mn-ea"/>
-              </a:rPr>
-              <a:t>struct</a:t>
-            </a:r>
-            <a:r>
-              <a:rPr lang="en-US" dirty="0" smtClean="0">
-                <a:latin typeface="Consolas"/>
-                <a:ea typeface="+mn-ea"/>
-              </a:rPr>
-              <a:t> {</a:t>
-            </a:r>
-          </a:p>
-          <a:p>
-            <a:pPr>
-              <a:buFont typeface="Wingdings" pitchFamily="2" charset="2"/>
-              <a:buNone/>
-              <a:defRPr/>
-            </a:pPr>
-            <a:r>
-              <a:rPr lang="en-US" dirty="0" smtClean="0">
-                <a:latin typeface="Consolas"/>
-                <a:ea typeface="+mn-ea"/>
-              </a:rPr>
-              <a:t>	double real;</a:t>
-            </a:r>
-          </a:p>
-          <a:p>
-            <a:pPr>
-              <a:buFont typeface="Wingdings" pitchFamily="2" charset="2"/>
-              <a:buNone/>
-              <a:defRPr/>
-            </a:pPr>
-            <a:r>
-              <a:rPr lang="en-US" dirty="0" smtClean="0">
-                <a:latin typeface="Consolas"/>
-                <a:ea typeface="+mn-ea"/>
-              </a:rPr>
-              <a:t>	double </a:t>
-            </a:r>
-            <a:r>
-              <a:rPr lang="en-US" dirty="0" err="1" smtClean="0">
-                <a:latin typeface="Consolas"/>
-                <a:ea typeface="+mn-ea"/>
-              </a:rPr>
-              <a:t>imag</a:t>
-            </a:r>
-            <a:r>
-              <a:rPr lang="en-US" dirty="0" smtClean="0">
-                <a:latin typeface="Consolas"/>
-                <a:ea typeface="+mn-ea"/>
-              </a:rPr>
-              <a:t>;</a:t>
-            </a:r>
-          </a:p>
-          <a:p>
-            <a:pPr>
-              <a:buFont typeface="Wingdings" pitchFamily="2" charset="2"/>
-              <a:buNone/>
-              <a:defRPr/>
-            </a:pPr>
-            <a:r>
-              <a:rPr lang="en-US" dirty="0" smtClean="0">
-                <a:latin typeface="Consolas"/>
-                <a:ea typeface="+mn-ea"/>
-              </a:rPr>
-              <a:t>} Complex;</a:t>
-            </a:r>
-          </a:p>
-          <a:p>
-            <a:pPr>
-              <a:buFont typeface="Wingdings" pitchFamily="2" charset="2"/>
-              <a:buNone/>
-              <a:defRPr/>
-            </a:pPr>
-            <a:endParaRPr lang="en-US" dirty="0" smtClean="0">
-              <a:latin typeface="Consolas"/>
-              <a:ea typeface="+mn-ea"/>
+                <a:latin typeface="Arial" charset="0"/>
+              </a:rPr>
+              <a:t>Program </a:t>
+            </a:r>
+            <a:r>
+              <a:rPr lang="en-US" dirty="0">
+                <a:latin typeface="Arial" charset="0"/>
+              </a:rPr>
+              <a:t>6 due 4</a:t>
+            </a:r>
+            <a:r>
+              <a:rPr lang="en-US">
+                <a:latin typeface="Arial" charset="0"/>
+              </a:rPr>
+              <a:t>/</a:t>
+            </a:r>
+            <a:r>
+              <a:rPr lang="en-US" smtClean="0">
+                <a:latin typeface="Arial" charset="0"/>
+              </a:rPr>
+              <a:t>4</a:t>
+            </a:r>
+            <a:endParaRPr lang="en-US" dirty="0">
+              <a:latin typeface="Arial" charset="0"/>
             </a:endParaRPr>
           </a:p>
-          <a:p>
-            <a:pPr>
-              <a:buFont typeface="Wingdings" pitchFamily="2" charset="2"/>
-              <a:buNone/>
-              <a:defRPr/>
-            </a:pPr>
-            <a:r>
-              <a:rPr lang="en-US" dirty="0" err="1" smtClean="0">
-                <a:latin typeface="Consolas"/>
-                <a:ea typeface="+mn-ea"/>
-              </a:rPr>
-              <a:t>int</a:t>
-            </a:r>
-            <a:r>
-              <a:rPr lang="en-US" dirty="0" smtClean="0">
-                <a:latin typeface="Consolas"/>
-                <a:ea typeface="+mn-ea"/>
-              </a:rPr>
-              <a:t> main() {</a:t>
-            </a:r>
-          </a:p>
-          <a:p>
-            <a:pPr>
-              <a:buFont typeface="Wingdings" pitchFamily="2" charset="2"/>
-              <a:buNone/>
-              <a:defRPr/>
-            </a:pPr>
-            <a:r>
-              <a:rPr lang="en-US" dirty="0" smtClean="0">
-                <a:latin typeface="Consolas"/>
-                <a:ea typeface="+mn-ea"/>
-              </a:rPr>
-              <a:t>	Complex a = {1, 2};</a:t>
-            </a:r>
-          </a:p>
-          <a:p>
-            <a:pPr>
-              <a:buFont typeface="Wingdings" pitchFamily="2" charset="2"/>
-              <a:buNone/>
-              <a:defRPr/>
-            </a:pPr>
-            <a:r>
-              <a:rPr lang="en-US" dirty="0" smtClean="0">
-                <a:latin typeface="Consolas"/>
-                <a:ea typeface="+mn-ea"/>
-              </a:rPr>
-              <a:t>	Complex b = {3.4, 5.6};</a:t>
-            </a:r>
-          </a:p>
-          <a:p>
-            <a:pPr>
-              <a:buFont typeface="Wingdings" pitchFamily="2" charset="2"/>
-              <a:buNone/>
-              <a:defRPr/>
-            </a:pPr>
-            <a:r>
-              <a:rPr lang="en-US" dirty="0" smtClean="0">
-                <a:latin typeface="Consolas"/>
-                <a:ea typeface="+mn-ea"/>
-              </a:rPr>
-              <a:t>	Complex c, d, e;</a:t>
-            </a:r>
-          </a:p>
-          <a:p>
-            <a:pPr>
-              <a:buFont typeface="Wingdings" pitchFamily="2" charset="2"/>
-              <a:buNone/>
-              <a:defRPr/>
-            </a:pPr>
-            <a:endParaRPr lang="en-US" dirty="0" smtClean="0">
-              <a:latin typeface="Consolas"/>
-              <a:ea typeface="+mn-ea"/>
-            </a:endParaRPr>
-          </a:p>
-          <a:p>
-            <a:pPr>
-              <a:buFont typeface="Wingdings" pitchFamily="2" charset="2"/>
-              <a:buNone/>
-              <a:defRPr/>
-            </a:pPr>
-            <a:r>
-              <a:rPr lang="pt-BR" dirty="0" smtClean="0">
-                <a:latin typeface="Consolas"/>
-                <a:ea typeface="+mn-ea"/>
-              </a:rPr>
-              <a:t>	printf("A = %.2lf+%.2lfi\n", </a:t>
-            </a:r>
-          </a:p>
-          <a:p>
-            <a:pPr>
-              <a:buFont typeface="Wingdings" pitchFamily="2" charset="2"/>
-              <a:buNone/>
-              <a:defRPr/>
-            </a:pPr>
-            <a:r>
-              <a:rPr lang="pt-BR" dirty="0" smtClean="0">
-                <a:latin typeface="Consolas"/>
-                <a:ea typeface="+mn-ea"/>
-              </a:rPr>
-              <a:t>		a.real, a.imag);</a:t>
-            </a:r>
-          </a:p>
-          <a:p>
-            <a:pPr>
-              <a:buFont typeface="Wingdings" pitchFamily="2" charset="2"/>
-              <a:buNone/>
-              <a:defRPr/>
-            </a:pPr>
-            <a:r>
-              <a:rPr lang="en-US" dirty="0" smtClean="0">
-                <a:latin typeface="Consolas"/>
-                <a:ea typeface="+mn-ea"/>
-              </a:rPr>
-              <a:t>	</a:t>
-            </a:r>
-            <a:r>
-              <a:rPr lang="en-US" dirty="0" err="1" smtClean="0">
-                <a:latin typeface="Consolas"/>
-                <a:ea typeface="+mn-ea"/>
-              </a:rPr>
-              <a:t>printf</a:t>
-            </a:r>
-            <a:r>
-              <a:rPr lang="en-US" dirty="0" smtClean="0">
-                <a:latin typeface="Consolas"/>
-                <a:ea typeface="+mn-ea"/>
-              </a:rPr>
-              <a:t>("B = %.2lf+%.2lfi\n", 	</a:t>
-            </a:r>
-            <a:r>
-              <a:rPr lang="en-US" dirty="0" err="1" smtClean="0">
-                <a:latin typeface="Consolas"/>
-                <a:ea typeface="+mn-ea"/>
-              </a:rPr>
-              <a:t>b.real</a:t>
-            </a:r>
-            <a:r>
-              <a:rPr lang="en-US" dirty="0" smtClean="0">
-                <a:latin typeface="Consolas"/>
-                <a:ea typeface="+mn-ea"/>
-              </a:rPr>
-              <a:t>, </a:t>
-            </a:r>
-            <a:r>
-              <a:rPr lang="en-US" dirty="0" err="1" smtClean="0">
-                <a:latin typeface="Consolas"/>
-                <a:ea typeface="+mn-ea"/>
-              </a:rPr>
-              <a:t>b.imag</a:t>
-            </a:r>
-            <a:r>
-              <a:rPr lang="en-US" dirty="0" smtClean="0">
-                <a:latin typeface="Consolas"/>
-                <a:ea typeface="+mn-ea"/>
-              </a:rPr>
-              <a:t>);</a:t>
-            </a:r>
-          </a:p>
-          <a:p>
-            <a:pPr>
-              <a:buFont typeface="Wingdings" pitchFamily="2" charset="2"/>
-              <a:buChar char="n"/>
-              <a:defRPr/>
-            </a:pPr>
-            <a:endParaRPr lang="en-US" dirty="0" smtClean="0">
-              <a:solidFill>
-                <a:srgbClr val="A31515"/>
-              </a:solidFill>
-              <a:latin typeface="Consolas"/>
-              <a:ea typeface="+mn-ea"/>
-            </a:endParaRPr>
-          </a:p>
-        </p:txBody>
-      </p:sp>
-      <p:sp>
-        <p:nvSpPr>
-          <p:cNvPr id="7" name="Content Placeholder 6"/>
-          <p:cNvSpPr>
-            <a:spLocks noGrp="1"/>
-          </p:cNvSpPr>
-          <p:nvPr>
-            <p:ph sz="half" idx="2"/>
-          </p:nvPr>
-        </p:nvSpPr>
-        <p:spPr>
-          <a:ln>
-            <a:solidFill>
-              <a:schemeClr val="bg2"/>
-            </a:solidFill>
-          </a:ln>
-        </p:spPr>
-        <p:txBody>
-          <a:bodyPr>
-            <a:normAutofit fontScale="62500" lnSpcReduction="20000"/>
-          </a:bodyPr>
-          <a:lstStyle/>
-          <a:p>
-            <a:pPr>
-              <a:buFont typeface="Wingdings" pitchFamily="2" charset="2"/>
-              <a:buNone/>
-              <a:defRPr/>
-            </a:pPr>
-            <a:r>
-              <a:rPr lang="en-US" dirty="0" smtClean="0">
-                <a:latin typeface="Consolas"/>
-                <a:ea typeface="+mn-ea"/>
-              </a:rPr>
-              <a:t>	c = a;</a:t>
-            </a:r>
-          </a:p>
-          <a:p>
-            <a:pPr>
-              <a:buFont typeface="Wingdings" pitchFamily="2" charset="2"/>
-              <a:buNone/>
-              <a:defRPr/>
-            </a:pPr>
-            <a:r>
-              <a:rPr lang="en-US" dirty="0" smtClean="0">
-                <a:latin typeface="Consolas"/>
-                <a:ea typeface="+mn-ea"/>
-              </a:rPr>
-              <a:t>	</a:t>
-            </a:r>
-            <a:r>
-              <a:rPr lang="en-US" dirty="0" err="1" smtClean="0">
-                <a:latin typeface="Consolas"/>
-                <a:ea typeface="+mn-ea"/>
-              </a:rPr>
-              <a:t>d.real</a:t>
-            </a:r>
-            <a:r>
-              <a:rPr lang="en-US" dirty="0" smtClean="0">
-                <a:latin typeface="Consolas"/>
-                <a:ea typeface="+mn-ea"/>
-              </a:rPr>
-              <a:t> = </a:t>
-            </a:r>
-            <a:r>
-              <a:rPr lang="en-US" dirty="0" err="1" smtClean="0">
-                <a:latin typeface="Consolas"/>
-                <a:ea typeface="+mn-ea"/>
-              </a:rPr>
-              <a:t>a.real</a:t>
-            </a:r>
-            <a:r>
-              <a:rPr lang="en-US" dirty="0" smtClean="0">
-                <a:latin typeface="Consolas"/>
-                <a:ea typeface="+mn-ea"/>
-              </a:rPr>
-              <a:t> + </a:t>
-            </a:r>
-            <a:r>
-              <a:rPr lang="en-US" dirty="0" err="1" smtClean="0">
-                <a:latin typeface="Consolas"/>
-                <a:ea typeface="+mn-ea"/>
-              </a:rPr>
-              <a:t>b.real</a:t>
-            </a:r>
-            <a:r>
-              <a:rPr lang="en-US" dirty="0" smtClean="0">
-                <a:latin typeface="Consolas"/>
-                <a:ea typeface="+mn-ea"/>
-              </a:rPr>
-              <a:t>;</a:t>
-            </a:r>
-          </a:p>
-          <a:p>
-            <a:pPr>
-              <a:buFont typeface="Wingdings" pitchFamily="2" charset="2"/>
-              <a:buNone/>
-              <a:defRPr/>
-            </a:pPr>
-            <a:r>
-              <a:rPr lang="en-US" dirty="0" smtClean="0">
-                <a:latin typeface="Consolas"/>
-                <a:ea typeface="+mn-ea"/>
-              </a:rPr>
-              <a:t>	</a:t>
-            </a:r>
-            <a:r>
-              <a:rPr lang="en-US" dirty="0" err="1" smtClean="0">
-                <a:latin typeface="Consolas"/>
-                <a:ea typeface="+mn-ea"/>
-              </a:rPr>
-              <a:t>d.imag</a:t>
-            </a:r>
-            <a:r>
-              <a:rPr lang="en-US" dirty="0" smtClean="0">
-                <a:latin typeface="Consolas"/>
-                <a:ea typeface="+mn-ea"/>
-              </a:rPr>
-              <a:t> = </a:t>
-            </a:r>
-            <a:r>
-              <a:rPr lang="en-US" dirty="0" err="1" smtClean="0">
-                <a:latin typeface="Consolas"/>
-                <a:ea typeface="+mn-ea"/>
-              </a:rPr>
-              <a:t>a.imag</a:t>
-            </a:r>
-            <a:r>
-              <a:rPr lang="en-US" dirty="0" smtClean="0">
-                <a:latin typeface="Consolas"/>
-                <a:ea typeface="+mn-ea"/>
-              </a:rPr>
-              <a:t> + </a:t>
-            </a:r>
-            <a:r>
-              <a:rPr lang="en-US" dirty="0" err="1" smtClean="0">
-                <a:latin typeface="Consolas"/>
-                <a:ea typeface="+mn-ea"/>
-              </a:rPr>
-              <a:t>b.imag</a:t>
-            </a:r>
-            <a:r>
-              <a:rPr lang="en-US" dirty="0" smtClean="0">
-                <a:latin typeface="Consolas"/>
-                <a:ea typeface="+mn-ea"/>
-              </a:rPr>
-              <a:t>;</a:t>
-            </a:r>
-          </a:p>
-          <a:p>
-            <a:pPr>
-              <a:buFont typeface="Wingdings" pitchFamily="2" charset="2"/>
-              <a:buNone/>
-              <a:defRPr/>
-            </a:pPr>
-            <a:r>
-              <a:rPr lang="en-US" dirty="0" smtClean="0">
-                <a:latin typeface="Consolas"/>
-                <a:ea typeface="+mn-ea"/>
-              </a:rPr>
-              <a:t>	</a:t>
-            </a:r>
-            <a:r>
-              <a:rPr lang="en-US" dirty="0" err="1" smtClean="0">
-                <a:latin typeface="Consolas"/>
-                <a:ea typeface="+mn-ea"/>
-              </a:rPr>
-              <a:t>e.real</a:t>
-            </a:r>
-            <a:r>
-              <a:rPr lang="en-US" dirty="0" smtClean="0">
-                <a:latin typeface="Consolas"/>
-                <a:ea typeface="+mn-ea"/>
-              </a:rPr>
-              <a:t> = </a:t>
-            </a:r>
-            <a:r>
-              <a:rPr lang="en-US" dirty="0" err="1" smtClean="0">
-                <a:latin typeface="Consolas"/>
-                <a:ea typeface="+mn-ea"/>
-              </a:rPr>
-              <a:t>a.real</a:t>
-            </a:r>
-            <a:r>
-              <a:rPr lang="en-US" dirty="0" smtClean="0">
-                <a:latin typeface="Consolas"/>
-                <a:ea typeface="+mn-ea"/>
-              </a:rPr>
-              <a:t> - </a:t>
-            </a:r>
-            <a:r>
-              <a:rPr lang="en-US" dirty="0" err="1" smtClean="0">
-                <a:latin typeface="Consolas"/>
-                <a:ea typeface="+mn-ea"/>
-              </a:rPr>
-              <a:t>b.real</a:t>
-            </a:r>
-            <a:r>
-              <a:rPr lang="en-US" dirty="0" smtClean="0">
-                <a:latin typeface="Consolas"/>
-                <a:ea typeface="+mn-ea"/>
-              </a:rPr>
-              <a:t>;</a:t>
-            </a:r>
-          </a:p>
-          <a:p>
-            <a:pPr>
-              <a:buFont typeface="Wingdings" pitchFamily="2" charset="2"/>
-              <a:buNone/>
-              <a:defRPr/>
-            </a:pPr>
-            <a:r>
-              <a:rPr lang="en-US" dirty="0" smtClean="0">
-                <a:latin typeface="Consolas"/>
-                <a:ea typeface="+mn-ea"/>
-              </a:rPr>
-              <a:t>	</a:t>
-            </a:r>
-            <a:r>
-              <a:rPr lang="en-US" dirty="0" err="1" smtClean="0">
-                <a:latin typeface="Consolas"/>
-                <a:ea typeface="+mn-ea"/>
-              </a:rPr>
-              <a:t>e.imag</a:t>
-            </a:r>
-            <a:r>
-              <a:rPr lang="en-US" dirty="0" smtClean="0">
-                <a:latin typeface="Consolas"/>
-                <a:ea typeface="+mn-ea"/>
-              </a:rPr>
-              <a:t> = </a:t>
-            </a:r>
-            <a:r>
-              <a:rPr lang="en-US" dirty="0" err="1" smtClean="0">
-                <a:latin typeface="Consolas"/>
-                <a:ea typeface="+mn-ea"/>
-              </a:rPr>
-              <a:t>a.imag</a:t>
-            </a:r>
-            <a:r>
-              <a:rPr lang="en-US" dirty="0" smtClean="0">
-                <a:latin typeface="Consolas"/>
-                <a:ea typeface="+mn-ea"/>
-              </a:rPr>
-              <a:t> - </a:t>
-            </a:r>
-            <a:r>
-              <a:rPr lang="en-US" dirty="0" err="1" smtClean="0">
-                <a:latin typeface="Consolas"/>
-                <a:ea typeface="+mn-ea"/>
-              </a:rPr>
-              <a:t>b.imag</a:t>
-            </a:r>
-            <a:r>
-              <a:rPr lang="en-US" dirty="0" smtClean="0">
-                <a:latin typeface="Consolas"/>
-                <a:ea typeface="+mn-ea"/>
-              </a:rPr>
-              <a:t>;</a:t>
-            </a:r>
-          </a:p>
-          <a:p>
-            <a:pPr>
-              <a:buFont typeface="Wingdings" pitchFamily="2" charset="2"/>
-              <a:buNone/>
-              <a:defRPr/>
-            </a:pPr>
-            <a:endParaRPr lang="en-US" dirty="0" smtClean="0">
-              <a:latin typeface="Consolas"/>
-              <a:ea typeface="+mn-ea"/>
-            </a:endParaRPr>
-          </a:p>
-          <a:p>
-            <a:pPr>
-              <a:buFont typeface="Wingdings" pitchFamily="2" charset="2"/>
-              <a:buNone/>
-              <a:defRPr/>
-            </a:pPr>
-            <a:r>
-              <a:rPr lang="en-US" dirty="0" smtClean="0">
-                <a:latin typeface="Consolas"/>
-                <a:ea typeface="+mn-ea"/>
-              </a:rPr>
-              <a:t>	</a:t>
-            </a:r>
-            <a:r>
-              <a:rPr lang="en-US" dirty="0" err="1" smtClean="0">
-                <a:latin typeface="Consolas"/>
-                <a:ea typeface="+mn-ea"/>
-              </a:rPr>
-              <a:t>printf</a:t>
-            </a:r>
-            <a:r>
-              <a:rPr lang="en-US" dirty="0" smtClean="0">
-                <a:latin typeface="Consolas"/>
-                <a:ea typeface="+mn-ea"/>
-              </a:rPr>
-              <a:t>("C = %.2lf+%.2lfi\n", 	</a:t>
-            </a:r>
-            <a:r>
-              <a:rPr lang="en-US" dirty="0" err="1" smtClean="0">
-                <a:latin typeface="Consolas"/>
-                <a:ea typeface="+mn-ea"/>
-              </a:rPr>
-              <a:t>c.real</a:t>
-            </a:r>
-            <a:r>
-              <a:rPr lang="en-US" dirty="0" smtClean="0">
-                <a:latin typeface="Consolas"/>
-                <a:ea typeface="+mn-ea"/>
-              </a:rPr>
-              <a:t>, </a:t>
-            </a:r>
-            <a:r>
-              <a:rPr lang="en-US" dirty="0" err="1" smtClean="0">
-                <a:latin typeface="Consolas"/>
-                <a:ea typeface="+mn-ea"/>
-              </a:rPr>
-              <a:t>c.imag</a:t>
-            </a:r>
-            <a:r>
-              <a:rPr lang="en-US" dirty="0" smtClean="0">
-                <a:latin typeface="Consolas"/>
-                <a:ea typeface="+mn-ea"/>
-              </a:rPr>
-              <a:t>);</a:t>
-            </a:r>
-          </a:p>
-          <a:p>
-            <a:pPr>
-              <a:buFont typeface="Wingdings" pitchFamily="2" charset="2"/>
-              <a:buNone/>
-              <a:defRPr/>
-            </a:pPr>
-            <a:r>
-              <a:rPr lang="en-US" dirty="0" smtClean="0">
-                <a:latin typeface="Consolas"/>
-                <a:ea typeface="+mn-ea"/>
-              </a:rPr>
-              <a:t>	</a:t>
-            </a:r>
-            <a:r>
-              <a:rPr lang="en-US" dirty="0" err="1" smtClean="0">
-                <a:latin typeface="Consolas"/>
-                <a:ea typeface="+mn-ea"/>
-              </a:rPr>
-              <a:t>printf</a:t>
-            </a:r>
-            <a:r>
-              <a:rPr lang="en-US" dirty="0" smtClean="0">
-                <a:latin typeface="Consolas"/>
-                <a:ea typeface="+mn-ea"/>
-              </a:rPr>
-              <a:t>("D = %.2lf+%.2lfi\n", 	</a:t>
-            </a:r>
-            <a:r>
-              <a:rPr lang="en-US" dirty="0" err="1" smtClean="0">
-                <a:latin typeface="Consolas"/>
-                <a:ea typeface="+mn-ea"/>
-              </a:rPr>
-              <a:t>d.real</a:t>
-            </a:r>
-            <a:r>
-              <a:rPr lang="en-US" dirty="0" smtClean="0">
-                <a:latin typeface="Consolas"/>
-                <a:ea typeface="+mn-ea"/>
-              </a:rPr>
-              <a:t>, </a:t>
-            </a:r>
-            <a:r>
-              <a:rPr lang="en-US" dirty="0" err="1" smtClean="0">
-                <a:latin typeface="Consolas"/>
-                <a:ea typeface="+mn-ea"/>
-              </a:rPr>
-              <a:t>d.imag</a:t>
-            </a:r>
-            <a:r>
-              <a:rPr lang="en-US" dirty="0" smtClean="0">
-                <a:latin typeface="Consolas"/>
-                <a:ea typeface="+mn-ea"/>
-              </a:rPr>
-              <a:t>);</a:t>
-            </a:r>
-          </a:p>
-          <a:p>
-            <a:pPr>
-              <a:buFont typeface="Wingdings" pitchFamily="2" charset="2"/>
-              <a:buNone/>
-              <a:defRPr/>
-            </a:pPr>
-            <a:r>
-              <a:rPr lang="pt-BR" dirty="0" smtClean="0">
-                <a:latin typeface="Consolas"/>
-                <a:ea typeface="+mn-ea"/>
-              </a:rPr>
-              <a:t>	printf("E = %.2lf+%.2lfi\n", 	e.real, e.imag);</a:t>
-            </a:r>
-          </a:p>
-          <a:p>
-            <a:pPr>
-              <a:buFont typeface="Wingdings" pitchFamily="2" charset="2"/>
-              <a:buNone/>
-              <a:defRPr/>
-            </a:pPr>
-            <a:endParaRPr lang="en-US" dirty="0" smtClean="0">
-              <a:latin typeface="Consolas"/>
-              <a:ea typeface="+mn-ea"/>
-            </a:endParaRPr>
-          </a:p>
-          <a:p>
-            <a:pPr>
-              <a:buFont typeface="Wingdings" pitchFamily="2" charset="2"/>
-              <a:buNone/>
-              <a:defRPr/>
-            </a:pPr>
-            <a:r>
-              <a:rPr lang="en-US" dirty="0" smtClean="0">
-                <a:latin typeface="Consolas"/>
-                <a:ea typeface="+mn-ea"/>
-              </a:rPr>
-              <a:t>	return 0;</a:t>
-            </a:r>
-          </a:p>
-          <a:p>
-            <a:pPr>
-              <a:buFont typeface="Wingdings" pitchFamily="2" charset="2"/>
-              <a:buNone/>
-              <a:defRPr/>
-            </a:pPr>
-            <a:r>
-              <a:rPr lang="en-US" dirty="0" smtClean="0">
-                <a:latin typeface="Consolas"/>
-                <a:ea typeface="+mn-ea"/>
-              </a:rPr>
-              <a:t>}</a:t>
-            </a:r>
-          </a:p>
-          <a:p>
-            <a:pPr>
-              <a:buFont typeface="Wingdings" pitchFamily="2" charset="2"/>
-              <a:buChar char="n"/>
-              <a:defRPr/>
-            </a:pPr>
-            <a:endParaRPr lang="en-US" dirty="0">
-              <a:ea typeface="+mn-ea"/>
-            </a:endParaRPr>
-          </a:p>
-        </p:txBody>
-      </p:sp>
-      <p:sp>
-        <p:nvSpPr>
-          <p:cNvPr id="29700" name="Date Placeholder 3"/>
+        </p:txBody>
+      </p:sp>
+      <p:sp>
+        <p:nvSpPr>
+          <p:cNvPr id="40963" name="Date Placeholder 3"/>
           <p:cNvSpPr>
             <a:spLocks noGrp="1"/>
           </p:cNvSpPr>
@@ -7631,16 +6946,14 @@
           </a:lstStyle>
           <a:p>
             <a:pPr eaLnBrk="1" hangingPunct="1"/>
-            <a:fld id="{048ABFA5-EA99-EC42-86BB-9C9E744624C6}" type="datetime1">
+            <a:fld id="{F90AC657-A5C9-4340-9D44-1B741AF6921F}" type="datetime1">
               <a:rPr lang="en-US" sz="1200" smtClean="0">
                 <a:latin typeface="Garamond" charset="0"/>
-                <a:cs typeface="Arial" charset="0"/>
-              </a:rPr>
-              <a:t>3/30/18</a:t>
+              </a:rPr>
+              <a:t>4/4/18</a:t>
             </a:fld>
             <a:endParaRPr lang="en-US" sz="1200">
               <a:latin typeface="Garamond" charset="0"/>
-              <a:cs typeface="Arial" charset="0"/>
             </a:endParaRPr>
           </a:p>
         </p:txBody>
@@ -7673,7 +6986,7 @@
       </p:sp>
       <p:sp>
         <p:nvSpPr>
-          <p:cNvPr id="29702" name="Slide Number Placeholder 5"/>
+          <p:cNvPr id="40965" name="Slide Number Placeholder 5"/>
           <p:cNvSpPr>
             <a:spLocks noGrp="1"/>
           </p:cNvSpPr>
@@ -7816,1009 +7129,12 @@
           </a:lstStyle>
           <a:p>
             <a:pPr eaLnBrk="1" hangingPunct="1"/>
-            <a:fld id="{BE9DE430-9E1F-F646-BF94-190F7DB571AC}" type="slidenum">
-              <a:rPr lang="en-US" sz="1200">
-                <a:latin typeface="Garamond" charset="0"/>
-                <a:cs typeface="Arial" charset="0"/>
-              </a:rPr>
-              <a:pPr eaLnBrk="1" hangingPunct="1"/>
-              <a:t>12</a:t>
-            </a:fld>
-            <a:endParaRPr lang="en-US" sz="1200">
-              <a:latin typeface="Garamond" charset="0"/>
-              <a:cs typeface="Arial" charset="0"/>
-            </a:endParaRPr>
-          </a:p>
-        </p:txBody>
-      </p:sp>
-    </p:spTree>
-    <p:extLst>
-      <p:ext uri="{BB962C8B-B14F-4D97-AF65-F5344CB8AC3E}">
-        <p14:creationId xmlns:p14="http://schemas.microsoft.com/office/powerpoint/2010/main" val="2771548524"/>
-      </p:ext>
-    </p:extLst>
-  </p:cSld>
-  <p:clrMapOvr>
-    <a:masterClrMapping/>
-  </p:clrMapOvr>
-  <p:timing>
-    <p:tnLst>
-      <p:par>
-        <p:cTn xmlns:p14="http://schemas.microsoft.com/office/powerpoint/2010/main" id="1" dur="indefinite" restart="never" nodeType="tmRoot"/>
-      </p:par>
-    </p:tnLst>
-  </p:timing>
-</p:sld>
-</file>
-
-<file path=ppt/slides/slide13.xml><?xml version="1.0" encoding="utf-8"?>
-<p:sld xmlns:a="http://schemas.openxmlformats.org/drawingml/2006/main" xmlns:r="http://schemas.openxmlformats.org/officeDocument/2006/relationships" xmlns:p="http://schemas.openxmlformats.org/presentationml/2006/main">
-  <p:cSld>
-    <p:spTree>
-      <p:nvGrpSpPr>
-        <p:cNvPr id="1" name=""/>
-        <p:cNvGrpSpPr/>
-        <p:nvPr/>
-      </p:nvGrpSpPr>
-      <p:grpSpPr>
-        <a:xfrm>
-          <a:off x="0" y="0"/>
-          <a:ext cx="0" cy="0"/>
-          <a:chOff x="0" y="0"/>
-          <a:chExt cx="0" cy="0"/>
-        </a:xfrm>
-      </p:grpSpPr>
-      <p:sp>
-        <p:nvSpPr>
-          <p:cNvPr id="30721" name="Title 1"/>
-          <p:cNvSpPr>
-            <a:spLocks noGrp="1"/>
-          </p:cNvSpPr>
-          <p:nvPr>
-            <p:ph type="title"/>
-          </p:nvPr>
-        </p:nvSpPr>
-        <p:spPr/>
-        <p:txBody>
-          <a:bodyPr/>
-          <a:lstStyle/>
-          <a:p>
-            <a:r>
-              <a:rPr lang="en-US">
-                <a:latin typeface="Garamond" charset="0"/>
-              </a:rPr>
-              <a:t>Example solution</a:t>
-            </a:r>
-          </a:p>
-        </p:txBody>
-      </p:sp>
-      <p:sp>
-        <p:nvSpPr>
-          <p:cNvPr id="30722" name="Content Placeholder 13"/>
-          <p:cNvSpPr>
-            <a:spLocks noGrp="1"/>
-          </p:cNvSpPr>
-          <p:nvPr>
-            <p:ph idx="1"/>
-          </p:nvPr>
-        </p:nvSpPr>
-        <p:spPr/>
-        <p:txBody>
-          <a:bodyPr/>
-          <a:lstStyle/>
-          <a:p>
-            <a:pPr>
-              <a:buFont typeface="Wingdings" charset="0"/>
-              <a:buNone/>
-            </a:pPr>
-            <a:r>
-              <a:rPr lang="en-US">
-                <a:latin typeface="Courier New" charset="0"/>
-                <a:cs typeface="Courier New" charset="0"/>
-              </a:rPr>
-              <a:t>A = 1.00 + 2.00i</a:t>
-            </a:r>
-          </a:p>
-          <a:p>
-            <a:pPr>
-              <a:buFont typeface="Wingdings" charset="0"/>
-              <a:buNone/>
-            </a:pPr>
-            <a:r>
-              <a:rPr lang="en-US">
-                <a:latin typeface="Courier New" charset="0"/>
-                <a:cs typeface="Courier New" charset="0"/>
-              </a:rPr>
-              <a:t>B = 3.40 + 5.60i</a:t>
-            </a:r>
-          </a:p>
-          <a:p>
-            <a:pPr>
-              <a:buFont typeface="Wingdings" charset="0"/>
-              <a:buNone/>
-            </a:pPr>
-            <a:r>
-              <a:rPr lang="en-US">
-                <a:latin typeface="Courier New" charset="0"/>
-                <a:cs typeface="Courier New" charset="0"/>
-              </a:rPr>
-              <a:t>C = 1.00 + 2.00i		</a:t>
-            </a:r>
-          </a:p>
-          <a:p>
-            <a:pPr>
-              <a:buFont typeface="Wingdings" charset="0"/>
-              <a:buNone/>
-            </a:pPr>
-            <a:r>
-              <a:rPr lang="en-US">
-                <a:latin typeface="Courier New" charset="0"/>
-                <a:cs typeface="Courier New" charset="0"/>
-              </a:rPr>
-              <a:t>D = 4.40 + 7.60i</a:t>
-            </a:r>
-          </a:p>
-          <a:p>
-            <a:pPr>
-              <a:buFont typeface="Wingdings" charset="0"/>
-              <a:buNone/>
-            </a:pPr>
-            <a:r>
-              <a:rPr lang="en-US">
-                <a:latin typeface="Courier New" charset="0"/>
-                <a:cs typeface="Courier New" charset="0"/>
-              </a:rPr>
-              <a:t>E = -2.40 + -3.60i</a:t>
-            </a:r>
-          </a:p>
-          <a:p>
-            <a:pPr>
-              <a:buFont typeface="Wingdings" charset="0"/>
-              <a:buNone/>
-            </a:pPr>
-            <a:endParaRPr lang="en-US">
-              <a:latin typeface="Courier New" charset="0"/>
-              <a:cs typeface="Courier New" charset="0"/>
-            </a:endParaRPr>
-          </a:p>
-          <a:p>
-            <a:pPr>
-              <a:buFont typeface="Wingdings" charset="0"/>
-              <a:buNone/>
-            </a:pPr>
-            <a:r>
-              <a:rPr lang="en-US" u="sng">
-                <a:latin typeface="Arial" charset="0"/>
-                <a:cs typeface="Courier New" charset="0"/>
-              </a:rPr>
-              <a:t>Note:</a:t>
-            </a:r>
-            <a:r>
-              <a:rPr lang="en-US">
-                <a:latin typeface="Arial" charset="0"/>
-                <a:cs typeface="Courier New" charset="0"/>
-              </a:rPr>
-              <a:t> code in handout has spaces before and after ‘+’ for readability; code on previous slide doesn’t because it wouldn’t fit!</a:t>
-            </a:r>
-          </a:p>
-        </p:txBody>
-      </p:sp>
-      <p:sp>
-        <p:nvSpPr>
-          <p:cNvPr id="30723" name="Date Placeholder 4"/>
-          <p:cNvSpPr>
-            <a:spLocks noGrp="1"/>
-          </p:cNvSpPr>
-          <p:nvPr>
-            <p:ph type="dt" sz="quarter" idx="10"/>
-          </p:nvPr>
-        </p:nvSpPr>
-        <p:spPr>
-          <a:noFill/>
-          <a:ln/>
-          <a:extLst>
-            <a:ext uri="{909E8E84-426E-40dd-AFC4-6F175D3DCCD1}">
-              <a14:hiddenFill xmlns:a14="http://schemas.microsoft.com/office/drawing/2010/main">
-                <a:solidFill>
-                  <a:srgbClr val="FFFFFF"/>
-                </a:solidFill>
-              </a14:hiddenFill>
-            </a:ext>
-            <a:ext uri="{91240B29-F687-4f45-9708-019B960494DF}">
-              <a14:hiddenLine xmlns:a14="http://schemas.microsoft.com/office/drawing/2010/main" w="9525">
-                <a:solidFill>
-                  <a:srgbClr val="000000"/>
-                </a:solidFill>
-                <a:miter lim="800000"/>
-                <a:headEnd/>
-                <a:tailEnd/>
-              </a14:hiddenLine>
-            </a:ext>
-          </a:extLst>
-        </p:spPr>
-        <p:txBody>
-          <a:bodyPr/>
-          <a:lstStyle>
-            <a:lvl1pPr eaLnBrk="0" hangingPunct="0">
-              <a:defRPr sz="2400">
-                <a:solidFill>
-                  <a:schemeClr val="tx1"/>
-                </a:solidFill>
-                <a:latin typeface="Arial" charset="0"/>
-                <a:ea typeface="ＭＳ Ｐゴシック" charset="0"/>
-                <a:cs typeface="ＭＳ Ｐゴシック" charset="0"/>
-              </a:defRPr>
-            </a:lvl1pPr>
-            <a:lvl2pPr marL="742950" indent="-285750" eaLnBrk="0" hangingPunct="0">
-              <a:defRPr sz="2400">
-                <a:solidFill>
-                  <a:schemeClr val="tx1"/>
-                </a:solidFill>
-                <a:latin typeface="Arial" charset="0"/>
-                <a:ea typeface="ＭＳ Ｐゴシック" charset="0"/>
-              </a:defRPr>
-            </a:lvl2pPr>
-            <a:lvl3pPr marL="1143000" indent="-228600" eaLnBrk="0" hangingPunct="0">
-              <a:defRPr sz="2400">
-                <a:solidFill>
-                  <a:schemeClr val="tx1"/>
-                </a:solidFill>
-                <a:latin typeface="Arial" charset="0"/>
-                <a:ea typeface="ＭＳ Ｐゴシック" charset="0"/>
-              </a:defRPr>
-            </a:lvl3pPr>
-            <a:lvl4pPr marL="1600200" indent="-228600" eaLnBrk="0" hangingPunct="0">
-              <a:defRPr sz="2400">
-                <a:solidFill>
-                  <a:schemeClr val="tx1"/>
-                </a:solidFill>
-                <a:latin typeface="Arial" charset="0"/>
-                <a:ea typeface="ＭＳ Ｐゴシック" charset="0"/>
-              </a:defRPr>
-            </a:lvl4pPr>
-            <a:lvl5pPr marL="2057400" indent="-228600" eaLnBrk="0" hangingPunct="0">
-              <a:defRPr sz="2400">
-                <a:solidFill>
-                  <a:schemeClr val="tx1"/>
-                </a:solidFill>
-                <a:latin typeface="Arial" charset="0"/>
-                <a:ea typeface="ＭＳ Ｐゴシック" charset="0"/>
-              </a:defRPr>
-            </a:lvl5pPr>
-            <a:lvl6pPr marL="2514600" indent="-228600" eaLnBrk="0" fontAlgn="base" hangingPunct="0">
-              <a:spcBef>
-                <a:spcPct val="0"/>
-              </a:spcBef>
-              <a:spcAft>
-                <a:spcPct val="0"/>
-              </a:spcAft>
-              <a:defRPr sz="2400">
-                <a:solidFill>
-                  <a:schemeClr val="tx1"/>
-                </a:solidFill>
-                <a:latin typeface="Arial" charset="0"/>
-                <a:ea typeface="ＭＳ Ｐゴシック" charset="0"/>
-              </a:defRPr>
-            </a:lvl6pPr>
-            <a:lvl7pPr marL="2971800" indent="-228600" eaLnBrk="0" fontAlgn="base" hangingPunct="0">
-              <a:spcBef>
-                <a:spcPct val="0"/>
-              </a:spcBef>
-              <a:spcAft>
-                <a:spcPct val="0"/>
-              </a:spcAft>
-              <a:defRPr sz="2400">
-                <a:solidFill>
-                  <a:schemeClr val="tx1"/>
-                </a:solidFill>
-                <a:latin typeface="Arial" charset="0"/>
-                <a:ea typeface="ＭＳ Ｐゴシック" charset="0"/>
-              </a:defRPr>
-            </a:lvl7pPr>
-            <a:lvl8pPr marL="3429000" indent="-228600" eaLnBrk="0" fontAlgn="base" hangingPunct="0">
-              <a:spcBef>
-                <a:spcPct val="0"/>
-              </a:spcBef>
-              <a:spcAft>
-                <a:spcPct val="0"/>
-              </a:spcAft>
-              <a:defRPr sz="2400">
-                <a:solidFill>
-                  <a:schemeClr val="tx1"/>
-                </a:solidFill>
-                <a:latin typeface="Arial" charset="0"/>
-                <a:ea typeface="ＭＳ Ｐゴシック" charset="0"/>
-              </a:defRPr>
-            </a:lvl8pPr>
-            <a:lvl9pPr marL="3886200" indent="-228600" eaLnBrk="0" fontAlgn="base" hangingPunct="0">
-              <a:spcBef>
-                <a:spcPct val="0"/>
-              </a:spcBef>
-              <a:spcAft>
-                <a:spcPct val="0"/>
-              </a:spcAft>
-              <a:defRPr sz="2400">
-                <a:solidFill>
-                  <a:schemeClr val="tx1"/>
-                </a:solidFill>
-                <a:latin typeface="Arial" charset="0"/>
-                <a:ea typeface="ＭＳ Ｐゴシック" charset="0"/>
-              </a:defRPr>
-            </a:lvl9pPr>
-          </a:lstStyle>
-          <a:p>
-            <a:pPr eaLnBrk="1" hangingPunct="1"/>
-            <a:fld id="{FFB1FB96-B432-3B4C-A10A-25EC34B233B8}" type="datetime1">
-              <a:rPr lang="en-US" sz="1200" smtClean="0">
-                <a:latin typeface="Garamond" charset="0"/>
-                <a:cs typeface="Arial" charset="0"/>
-              </a:rPr>
-              <a:t>3/30/18</a:t>
-            </a:fld>
-            <a:endParaRPr lang="en-US" sz="1200">
-              <a:latin typeface="Garamond" charset="0"/>
-              <a:cs typeface="Arial" charset="0"/>
-            </a:endParaRPr>
-          </a:p>
-        </p:txBody>
-      </p:sp>
-      <p:sp>
-        <p:nvSpPr>
-          <p:cNvPr id="6" name="Footer Placeholder 5"/>
-          <p:cNvSpPr>
-            <a:spLocks noGrp="1"/>
-          </p:cNvSpPr>
-          <p:nvPr>
-            <p:ph type="ftr" sz="quarter" idx="11"/>
-          </p:nvPr>
-        </p:nvSpPr>
-        <p:spPr/>
-        <p:txBody>
-          <a:bodyPr/>
-          <a:lstStyle/>
-          <a:p>
-            <a:pPr>
-              <a:defRPr/>
-            </a:pPr>
-            <a:r>
-              <a:rPr lang="en-US" altLang="en-US" smtClean="0"/>
-              <a:t>ECE Application Programming:  Lecture 24</a:t>
-            </a:r>
-            <a:endParaRPr lang="en-US" altLang="en-US"/>
-          </a:p>
-        </p:txBody>
-      </p:sp>
-      <p:sp>
-        <p:nvSpPr>
-          <p:cNvPr id="30725" name="Slide Number Placeholder 6"/>
-          <p:cNvSpPr>
-            <a:spLocks noGrp="1"/>
-          </p:cNvSpPr>
-          <p:nvPr>
-            <p:ph type="sldNum" sz="quarter" idx="12"/>
-          </p:nvPr>
-        </p:nvSpPr>
-        <p:spPr>
-          <a:noFill/>
-          <a:ln/>
-          <a:extLst>
-            <a:ext uri="{909E8E84-426E-40dd-AFC4-6F175D3DCCD1}">
-              <a14:hiddenFill xmlns:a14="http://schemas.microsoft.com/office/drawing/2010/main">
-                <a:solidFill>
-                  <a:srgbClr val="FFFFFF"/>
-                </a:solidFill>
-              </a14:hiddenFill>
-            </a:ext>
-            <a:ext uri="{91240B29-F687-4f45-9708-019B960494DF}">
-              <a14:hiddenLine xmlns:a14="http://schemas.microsoft.com/office/drawing/2010/main" w="9525">
-                <a:solidFill>
-                  <a:srgbClr val="000000"/>
-                </a:solidFill>
-                <a:miter lim="800000"/>
-                <a:headEnd/>
-                <a:tailEnd/>
-              </a14:hiddenLine>
-            </a:ext>
-          </a:extLst>
-        </p:spPr>
-        <p:txBody>
-          <a:bodyPr/>
-          <a:lstStyle>
-            <a:lvl1pPr eaLnBrk="0" hangingPunct="0">
-              <a:defRPr sz="2400">
-                <a:solidFill>
-                  <a:schemeClr val="tx1"/>
-                </a:solidFill>
-                <a:latin typeface="Arial" charset="0"/>
-                <a:ea typeface="ＭＳ Ｐゴシック" charset="0"/>
-                <a:cs typeface="ＭＳ Ｐゴシック" charset="0"/>
-              </a:defRPr>
-            </a:lvl1pPr>
-            <a:lvl2pPr marL="742950" indent="-285750" eaLnBrk="0" hangingPunct="0">
-              <a:defRPr sz="2400">
-                <a:solidFill>
-                  <a:schemeClr val="tx1"/>
-                </a:solidFill>
-                <a:latin typeface="Arial" charset="0"/>
-                <a:ea typeface="ＭＳ Ｐゴシック" charset="0"/>
-              </a:defRPr>
-            </a:lvl2pPr>
-            <a:lvl3pPr marL="1143000" indent="-228600" eaLnBrk="0" hangingPunct="0">
-              <a:defRPr sz="2400">
-                <a:solidFill>
-                  <a:schemeClr val="tx1"/>
-                </a:solidFill>
-                <a:latin typeface="Arial" charset="0"/>
-                <a:ea typeface="ＭＳ Ｐゴシック" charset="0"/>
-              </a:defRPr>
-            </a:lvl3pPr>
-            <a:lvl4pPr marL="1600200" indent="-228600" eaLnBrk="0" hangingPunct="0">
-              <a:defRPr sz="2400">
-                <a:solidFill>
-                  <a:schemeClr val="tx1"/>
-                </a:solidFill>
-                <a:latin typeface="Arial" charset="0"/>
-                <a:ea typeface="ＭＳ Ｐゴシック" charset="0"/>
-              </a:defRPr>
-            </a:lvl4pPr>
-            <a:lvl5pPr marL="2057400" indent="-228600" eaLnBrk="0" hangingPunct="0">
-              <a:defRPr sz="2400">
-                <a:solidFill>
-                  <a:schemeClr val="tx1"/>
-                </a:solidFill>
-                <a:latin typeface="Arial" charset="0"/>
-                <a:ea typeface="ＭＳ Ｐゴシック" charset="0"/>
-              </a:defRPr>
-            </a:lvl5pPr>
-            <a:lvl6pPr marL="2514600" indent="-228600" eaLnBrk="0" fontAlgn="base" hangingPunct="0">
-              <a:spcBef>
-                <a:spcPct val="0"/>
-              </a:spcBef>
-              <a:spcAft>
-                <a:spcPct val="0"/>
-              </a:spcAft>
-              <a:defRPr sz="2400">
-                <a:solidFill>
-                  <a:schemeClr val="tx1"/>
-                </a:solidFill>
-                <a:latin typeface="Arial" charset="0"/>
-                <a:ea typeface="ＭＳ Ｐゴシック" charset="0"/>
-              </a:defRPr>
-            </a:lvl6pPr>
-            <a:lvl7pPr marL="2971800" indent="-228600" eaLnBrk="0" fontAlgn="base" hangingPunct="0">
-              <a:spcBef>
-                <a:spcPct val="0"/>
-              </a:spcBef>
-              <a:spcAft>
-                <a:spcPct val="0"/>
-              </a:spcAft>
-              <a:defRPr sz="2400">
-                <a:solidFill>
-                  <a:schemeClr val="tx1"/>
-                </a:solidFill>
-                <a:latin typeface="Arial" charset="0"/>
-                <a:ea typeface="ＭＳ Ｐゴシック" charset="0"/>
-              </a:defRPr>
-            </a:lvl7pPr>
-            <a:lvl8pPr marL="3429000" indent="-228600" eaLnBrk="0" fontAlgn="base" hangingPunct="0">
-              <a:spcBef>
-                <a:spcPct val="0"/>
-              </a:spcBef>
-              <a:spcAft>
-                <a:spcPct val="0"/>
-              </a:spcAft>
-              <a:defRPr sz="2400">
-                <a:solidFill>
-                  <a:schemeClr val="tx1"/>
-                </a:solidFill>
-                <a:latin typeface="Arial" charset="0"/>
-                <a:ea typeface="ＭＳ Ｐゴシック" charset="0"/>
-              </a:defRPr>
-            </a:lvl8pPr>
-            <a:lvl9pPr marL="3886200" indent="-228600" eaLnBrk="0" fontAlgn="base" hangingPunct="0">
-              <a:spcBef>
-                <a:spcPct val="0"/>
-              </a:spcBef>
-              <a:spcAft>
-                <a:spcPct val="0"/>
-              </a:spcAft>
-              <a:defRPr sz="2400">
-                <a:solidFill>
-                  <a:schemeClr val="tx1"/>
-                </a:solidFill>
-                <a:latin typeface="Arial" charset="0"/>
-                <a:ea typeface="ＭＳ Ｐゴシック" charset="0"/>
-              </a:defRPr>
-            </a:lvl9pPr>
-          </a:lstStyle>
-          <a:p>
-            <a:pPr eaLnBrk="1" hangingPunct="1"/>
-            <a:fld id="{026BABF3-72AE-0242-B439-617BEE0588B1}" type="slidenum">
-              <a:rPr lang="en-US" sz="1200">
-                <a:latin typeface="Garamond" charset="0"/>
-                <a:cs typeface="Arial" charset="0"/>
-              </a:rPr>
-              <a:pPr eaLnBrk="1" hangingPunct="1"/>
-              <a:t>13</a:t>
-            </a:fld>
-            <a:endParaRPr lang="en-US" sz="1200">
-              <a:latin typeface="Garamond" charset="0"/>
-              <a:cs typeface="Arial" charset="0"/>
-            </a:endParaRPr>
-          </a:p>
-        </p:txBody>
-      </p:sp>
-    </p:spTree>
-    <p:extLst>
-      <p:ext uri="{BB962C8B-B14F-4D97-AF65-F5344CB8AC3E}">
-        <p14:creationId xmlns:p14="http://schemas.microsoft.com/office/powerpoint/2010/main" val="2955699062"/>
-      </p:ext>
-    </p:extLst>
-  </p:cSld>
-  <p:clrMapOvr>
-    <a:masterClrMapping/>
-  </p:clrMapOvr>
-  <p:timing>
-    <p:tnLst>
-      <p:par>
-        <p:cTn xmlns:p14="http://schemas.microsoft.com/office/powerpoint/2010/main" id="1" dur="indefinite" restart="never" nodeType="tmRoot"/>
-      </p:par>
-    </p:tnLst>
-  </p:timing>
-</p:sld>
-</file>
-
-<file path=ppt/slides/slide14.xml><?xml version="1.0" encoding="utf-8"?>
-<p:sld xmlns:a="http://schemas.openxmlformats.org/drawingml/2006/main" xmlns:r="http://schemas.openxmlformats.org/officeDocument/2006/relationships" xmlns:p="http://schemas.openxmlformats.org/presentationml/2006/main">
-  <p:cSld>
-    <p:spTree>
-      <p:nvGrpSpPr>
-        <p:cNvPr id="1" name=""/>
-        <p:cNvGrpSpPr/>
-        <p:nvPr/>
-      </p:nvGrpSpPr>
-      <p:grpSpPr>
-        <a:xfrm>
-          <a:off x="0" y="0"/>
-          <a:ext cx="0" cy="0"/>
-          <a:chOff x="0" y="0"/>
-          <a:chExt cx="0" cy="0"/>
-        </a:xfrm>
-      </p:grpSpPr>
-      <p:sp>
-        <p:nvSpPr>
-          <p:cNvPr id="40961" name="Title 1"/>
-          <p:cNvSpPr>
-            <a:spLocks noGrp="1"/>
-          </p:cNvSpPr>
-          <p:nvPr>
-            <p:ph type="title"/>
-          </p:nvPr>
-        </p:nvSpPr>
-        <p:spPr/>
-        <p:txBody>
-          <a:bodyPr/>
-          <a:lstStyle/>
-          <a:p>
-            <a:r>
-              <a:rPr lang="en-US">
-                <a:latin typeface="Garamond" charset="0"/>
-              </a:rPr>
-              <a:t>Final notes</a:t>
-            </a:r>
-          </a:p>
-        </p:txBody>
-      </p:sp>
-      <p:sp>
-        <p:nvSpPr>
-          <p:cNvPr id="40962" name="Content Placeholder 2"/>
-          <p:cNvSpPr>
-            <a:spLocks noGrp="1"/>
-          </p:cNvSpPr>
-          <p:nvPr>
-            <p:ph idx="1"/>
-          </p:nvPr>
-        </p:nvSpPr>
-        <p:spPr/>
-        <p:txBody>
-          <a:bodyPr>
-            <a:normAutofit/>
-          </a:bodyPr>
-          <a:lstStyle/>
-          <a:p>
-            <a:r>
-              <a:rPr lang="en-US" dirty="0">
-                <a:latin typeface="Arial" charset="0"/>
-              </a:rPr>
-              <a:t>Next time</a:t>
-            </a:r>
-          </a:p>
-          <a:p>
-            <a:pPr lvl="1"/>
-            <a:r>
-              <a:rPr lang="en-US" dirty="0" smtClean="0">
-                <a:latin typeface="Arial" charset="0"/>
-              </a:rPr>
-              <a:t>More on structures</a:t>
-            </a:r>
-            <a:endParaRPr lang="en-US" dirty="0">
-              <a:latin typeface="Arial" charset="0"/>
-            </a:endParaRPr>
-          </a:p>
-          <a:p>
-            <a:r>
-              <a:rPr lang="en-US" dirty="0">
-                <a:latin typeface="Arial" charset="0"/>
-              </a:rPr>
-              <a:t>Reminders:</a:t>
-            </a:r>
-          </a:p>
-          <a:p>
-            <a:pPr lvl="1"/>
-            <a:r>
-              <a:rPr lang="en-US" dirty="0" smtClean="0">
-                <a:latin typeface="Arial" charset="0"/>
-              </a:rPr>
-              <a:t>Program </a:t>
-            </a:r>
-            <a:r>
-              <a:rPr lang="en-US" dirty="0">
-                <a:latin typeface="Arial" charset="0"/>
-              </a:rPr>
-              <a:t>6 due 4</a:t>
-            </a:r>
-            <a:r>
-              <a:rPr lang="en-US">
-                <a:latin typeface="Arial" charset="0"/>
-              </a:rPr>
-              <a:t>/</a:t>
-            </a:r>
-            <a:r>
-              <a:rPr lang="en-US" smtClean="0">
-                <a:latin typeface="Arial" charset="0"/>
-              </a:rPr>
-              <a:t>4</a:t>
-            </a:r>
-            <a:endParaRPr lang="en-US" dirty="0">
-              <a:latin typeface="Arial" charset="0"/>
-            </a:endParaRPr>
-          </a:p>
-        </p:txBody>
-      </p:sp>
-      <p:sp>
-        <p:nvSpPr>
-          <p:cNvPr id="40963" name="Date Placeholder 3"/>
-          <p:cNvSpPr>
-            <a:spLocks noGrp="1"/>
-          </p:cNvSpPr>
-          <p:nvPr>
-            <p:ph type="dt" sz="quarter" idx="10"/>
-          </p:nvPr>
-        </p:nvSpPr>
-        <p:spPr>
-          <a:noFill/>
-          <a:ln/>
-          <a:extLst>
-            <a:ext uri="{909E8E84-426E-40dd-AFC4-6F175D3DCCD1}">
-              <a14:hiddenFill xmlns:a14="http://schemas.microsoft.com/office/drawing/2010/main">
-                <a:solidFill>
-                  <a:srgbClr val="FFFFFF"/>
-                </a:solidFill>
-              </a14:hiddenFill>
-            </a:ext>
-            <a:ext uri="{91240B29-F687-4f45-9708-019B960494DF}">
-              <a14:hiddenLine xmlns:a14="http://schemas.microsoft.com/office/drawing/2010/main" w="9525">
-                <a:solidFill>
-                  <a:srgbClr val="000000"/>
-                </a:solidFill>
-                <a:miter lim="800000"/>
-                <a:headEnd/>
-                <a:tailEnd/>
-              </a14:hiddenLine>
-            </a:ext>
-          </a:extLst>
-        </p:spPr>
-        <p:txBody>
-          <a:bodyPr/>
-          <a:lstStyle>
-            <a:lvl1pPr eaLnBrk="0" hangingPunct="0">
-              <a:defRPr sz="2400">
-                <a:solidFill>
-                  <a:schemeClr val="tx1"/>
-                </a:solidFill>
-                <a:latin typeface="Arial" charset="0"/>
-                <a:ea typeface="ＭＳ Ｐゴシック" charset="0"/>
-                <a:cs typeface="ＭＳ Ｐゴシック" charset="0"/>
-              </a:defRPr>
-            </a:lvl1pPr>
-            <a:lvl2pPr marL="742950" indent="-285750" eaLnBrk="0" hangingPunct="0">
-              <a:defRPr sz="2400">
-                <a:solidFill>
-                  <a:schemeClr val="tx1"/>
-                </a:solidFill>
-                <a:latin typeface="Arial" charset="0"/>
-                <a:ea typeface="ＭＳ Ｐゴシック" charset="0"/>
-              </a:defRPr>
-            </a:lvl2pPr>
-            <a:lvl3pPr marL="1143000" indent="-228600" eaLnBrk="0" hangingPunct="0">
-              <a:defRPr sz="2400">
-                <a:solidFill>
-                  <a:schemeClr val="tx1"/>
-                </a:solidFill>
-                <a:latin typeface="Arial" charset="0"/>
-                <a:ea typeface="ＭＳ Ｐゴシック" charset="0"/>
-              </a:defRPr>
-            </a:lvl3pPr>
-            <a:lvl4pPr marL="1600200" indent="-228600" eaLnBrk="0" hangingPunct="0">
-              <a:defRPr sz="2400">
-                <a:solidFill>
-                  <a:schemeClr val="tx1"/>
-                </a:solidFill>
-                <a:latin typeface="Arial" charset="0"/>
-                <a:ea typeface="ＭＳ Ｐゴシック" charset="0"/>
-              </a:defRPr>
-            </a:lvl4pPr>
-            <a:lvl5pPr marL="2057400" indent="-228600" eaLnBrk="0" hangingPunct="0">
-              <a:defRPr sz="2400">
-                <a:solidFill>
-                  <a:schemeClr val="tx1"/>
-                </a:solidFill>
-                <a:latin typeface="Arial" charset="0"/>
-                <a:ea typeface="ＭＳ Ｐゴシック" charset="0"/>
-              </a:defRPr>
-            </a:lvl5pPr>
-            <a:lvl6pPr marL="2514600" indent="-228600" eaLnBrk="0" fontAlgn="base" hangingPunct="0">
-              <a:spcBef>
-                <a:spcPct val="0"/>
-              </a:spcBef>
-              <a:spcAft>
-                <a:spcPct val="0"/>
-              </a:spcAft>
-              <a:defRPr sz="2400">
-                <a:solidFill>
-                  <a:schemeClr val="tx1"/>
-                </a:solidFill>
-                <a:latin typeface="Arial" charset="0"/>
-                <a:ea typeface="ＭＳ Ｐゴシック" charset="0"/>
-              </a:defRPr>
-            </a:lvl6pPr>
-            <a:lvl7pPr marL="2971800" indent="-228600" eaLnBrk="0" fontAlgn="base" hangingPunct="0">
-              <a:spcBef>
-                <a:spcPct val="0"/>
-              </a:spcBef>
-              <a:spcAft>
-                <a:spcPct val="0"/>
-              </a:spcAft>
-              <a:defRPr sz="2400">
-                <a:solidFill>
-                  <a:schemeClr val="tx1"/>
-                </a:solidFill>
-                <a:latin typeface="Arial" charset="0"/>
-                <a:ea typeface="ＭＳ Ｐゴシック" charset="0"/>
-              </a:defRPr>
-            </a:lvl7pPr>
-            <a:lvl8pPr marL="3429000" indent="-228600" eaLnBrk="0" fontAlgn="base" hangingPunct="0">
-              <a:spcBef>
-                <a:spcPct val="0"/>
-              </a:spcBef>
-              <a:spcAft>
-                <a:spcPct val="0"/>
-              </a:spcAft>
-              <a:defRPr sz="2400">
-                <a:solidFill>
-                  <a:schemeClr val="tx1"/>
-                </a:solidFill>
-                <a:latin typeface="Arial" charset="0"/>
-                <a:ea typeface="ＭＳ Ｐゴシック" charset="0"/>
-              </a:defRPr>
-            </a:lvl8pPr>
-            <a:lvl9pPr marL="3886200" indent="-228600" eaLnBrk="0" fontAlgn="base" hangingPunct="0">
-              <a:spcBef>
-                <a:spcPct val="0"/>
-              </a:spcBef>
-              <a:spcAft>
-                <a:spcPct val="0"/>
-              </a:spcAft>
-              <a:defRPr sz="2400">
-                <a:solidFill>
-                  <a:schemeClr val="tx1"/>
-                </a:solidFill>
-                <a:latin typeface="Arial" charset="0"/>
-                <a:ea typeface="ＭＳ Ｐゴシック" charset="0"/>
-              </a:defRPr>
-            </a:lvl9pPr>
-          </a:lstStyle>
-          <a:p>
-            <a:pPr eaLnBrk="1" hangingPunct="1"/>
-            <a:fld id="{F90AC657-A5C9-4340-9D44-1B741AF6921F}" type="datetime1">
-              <a:rPr lang="en-US" sz="1200" smtClean="0">
-                <a:latin typeface="Garamond" charset="0"/>
-              </a:rPr>
-              <a:t>3/30/18</a:t>
-            </a:fld>
-            <a:endParaRPr lang="en-US" sz="1200">
-              <a:latin typeface="Garamond" charset="0"/>
-            </a:endParaRPr>
-          </a:p>
-        </p:txBody>
-      </p:sp>
-      <p:sp>
-        <p:nvSpPr>
-          <p:cNvPr id="5" name="Footer Placeholder 4"/>
-          <p:cNvSpPr>
-            <a:spLocks noGrp="1"/>
-          </p:cNvSpPr>
-          <p:nvPr>
-            <p:ph type="ftr" sz="quarter" idx="11"/>
-          </p:nvPr>
-        </p:nvSpPr>
-        <p:spPr/>
-        <p:txBody>
-          <a:bodyPr/>
-          <a:lstStyle/>
-          <a:p>
-            <a:pPr>
-              <a:defRPr/>
-            </a:pPr>
-            <a:r>
-              <a:rPr lang="en-US" altLang="en-US" smtClean="0"/>
-              <a:t>ECE Application Programming:  Lecture 24</a:t>
-            </a:r>
-            <a:endParaRPr lang="en-US" altLang="en-US"/>
-          </a:p>
-        </p:txBody>
-      </p:sp>
-      <p:sp>
-        <p:nvSpPr>
-          <p:cNvPr id="40965" name="Slide Number Placeholder 5"/>
-          <p:cNvSpPr>
-            <a:spLocks noGrp="1"/>
-          </p:cNvSpPr>
-          <p:nvPr>
-            <p:ph type="sldNum" sz="quarter" idx="12"/>
-          </p:nvPr>
-        </p:nvSpPr>
-        <p:spPr>
-          <a:noFill/>
-          <a:ln/>
-          <a:extLst>
-            <a:ext uri="{909E8E84-426E-40dd-AFC4-6F175D3DCCD1}">
-              <a14:hiddenFill xmlns:a14="http://schemas.microsoft.com/office/drawing/2010/main">
-                <a:solidFill>
-                  <a:srgbClr val="FFFFFF"/>
-                </a:solidFill>
-              </a14:hiddenFill>
-            </a:ext>
-            <a:ext uri="{91240B29-F687-4f45-9708-019B960494DF}">
-              <a14:hiddenLine xmlns:a14="http://schemas.microsoft.com/office/drawing/2010/main" w="9525">
-                <a:solidFill>
-                  <a:srgbClr val="000000"/>
-                </a:solidFill>
-                <a:miter lim="800000"/>
-                <a:headEnd/>
-                <a:tailEnd/>
-              </a14:hiddenLine>
-            </a:ext>
-          </a:extLst>
-        </p:spPr>
-        <p:txBody>
-          <a:bodyPr/>
-          <a:lstStyle>
-            <a:lvl1pPr eaLnBrk="0" hangingPunct="0">
-              <a:defRPr sz="2400">
-                <a:solidFill>
-                  <a:schemeClr val="tx1"/>
-                </a:solidFill>
-                <a:latin typeface="Arial" charset="0"/>
-                <a:ea typeface="ＭＳ Ｐゴシック" charset="0"/>
-                <a:cs typeface="ＭＳ Ｐゴシック" charset="0"/>
-              </a:defRPr>
-            </a:lvl1pPr>
-            <a:lvl2pPr marL="742950" indent="-285750" eaLnBrk="0" hangingPunct="0">
-              <a:defRPr sz="2400">
-                <a:solidFill>
-                  <a:schemeClr val="tx1"/>
-                </a:solidFill>
-                <a:latin typeface="Arial" charset="0"/>
-                <a:ea typeface="ＭＳ Ｐゴシック" charset="0"/>
-              </a:defRPr>
-            </a:lvl2pPr>
-            <a:lvl3pPr marL="1143000" indent="-228600" eaLnBrk="0" hangingPunct="0">
-              <a:defRPr sz="2400">
-                <a:solidFill>
-                  <a:schemeClr val="tx1"/>
-                </a:solidFill>
-                <a:latin typeface="Arial" charset="0"/>
-                <a:ea typeface="ＭＳ Ｐゴシック" charset="0"/>
-              </a:defRPr>
-            </a:lvl3pPr>
-            <a:lvl4pPr marL="1600200" indent="-228600" eaLnBrk="0" hangingPunct="0">
-              <a:defRPr sz="2400">
-                <a:solidFill>
-                  <a:schemeClr val="tx1"/>
-                </a:solidFill>
-                <a:latin typeface="Arial" charset="0"/>
-                <a:ea typeface="ＭＳ Ｐゴシック" charset="0"/>
-              </a:defRPr>
-            </a:lvl4pPr>
-            <a:lvl5pPr marL="2057400" indent="-228600" eaLnBrk="0" hangingPunct="0">
-              <a:defRPr sz="2400">
-                <a:solidFill>
-                  <a:schemeClr val="tx1"/>
-                </a:solidFill>
-                <a:latin typeface="Arial" charset="0"/>
-                <a:ea typeface="ＭＳ Ｐゴシック" charset="0"/>
-              </a:defRPr>
-            </a:lvl5pPr>
-            <a:lvl6pPr marL="2514600" indent="-228600" eaLnBrk="0" fontAlgn="base" hangingPunct="0">
-              <a:spcBef>
-                <a:spcPct val="0"/>
-              </a:spcBef>
-              <a:spcAft>
-                <a:spcPct val="0"/>
-              </a:spcAft>
-              <a:defRPr sz="2400">
-                <a:solidFill>
-                  <a:schemeClr val="tx1"/>
-                </a:solidFill>
-                <a:latin typeface="Arial" charset="0"/>
-                <a:ea typeface="ＭＳ Ｐゴシック" charset="0"/>
-              </a:defRPr>
-            </a:lvl6pPr>
-            <a:lvl7pPr marL="2971800" indent="-228600" eaLnBrk="0" fontAlgn="base" hangingPunct="0">
-              <a:spcBef>
-                <a:spcPct val="0"/>
-              </a:spcBef>
-              <a:spcAft>
-                <a:spcPct val="0"/>
-              </a:spcAft>
-              <a:defRPr sz="2400">
-                <a:solidFill>
-                  <a:schemeClr val="tx1"/>
-                </a:solidFill>
-                <a:latin typeface="Arial" charset="0"/>
-                <a:ea typeface="ＭＳ Ｐゴシック" charset="0"/>
-              </a:defRPr>
-            </a:lvl7pPr>
-            <a:lvl8pPr marL="3429000" indent="-228600" eaLnBrk="0" fontAlgn="base" hangingPunct="0">
-              <a:spcBef>
-                <a:spcPct val="0"/>
-              </a:spcBef>
-              <a:spcAft>
-                <a:spcPct val="0"/>
-              </a:spcAft>
-              <a:defRPr sz="2400">
-                <a:solidFill>
-                  <a:schemeClr val="tx1"/>
-                </a:solidFill>
-                <a:latin typeface="Arial" charset="0"/>
-                <a:ea typeface="ＭＳ Ｐゴシック" charset="0"/>
-              </a:defRPr>
-            </a:lvl8pPr>
-            <a:lvl9pPr marL="3886200" indent="-228600" eaLnBrk="0" fontAlgn="base" hangingPunct="0">
-              <a:spcBef>
-                <a:spcPct val="0"/>
-              </a:spcBef>
-              <a:spcAft>
-                <a:spcPct val="0"/>
-              </a:spcAft>
-              <a:defRPr sz="2400">
-                <a:solidFill>
-                  <a:schemeClr val="tx1"/>
-                </a:solidFill>
-                <a:latin typeface="Arial" charset="0"/>
-                <a:ea typeface="ＭＳ Ｐゴシック" charset="0"/>
-              </a:defRPr>
-            </a:lvl9pPr>
-          </a:lstStyle>
-          <a:p>
-            <a:pPr eaLnBrk="1" hangingPunct="1"/>
             <a:fld id="{995840FA-E6F5-0343-A066-8FDDE6435D57}" type="slidenum">
               <a:rPr lang="en-US" sz="1200">
                 <a:latin typeface="Garamond" charset="0"/>
               </a:rPr>
               <a:pPr eaLnBrk="1" hangingPunct="1"/>
-              <a:t>14</a:t>
+              <a:t>12</a:t>
             </a:fld>
             <a:endParaRPr lang="en-US" sz="1200">
               <a:latin typeface="Garamond" charset="0"/>
@@ -9119,7 +7435,7 @@
               <a:rPr lang="en-US" sz="1200" smtClean="0">
                 <a:latin typeface="Garamond" charset="0"/>
               </a:rPr>
-              <a:t>3/30/18</a:t>
+              <a:t>4/4/18</a:t>
             </a:fld>
             <a:endParaRPr lang="en-US" sz="1200">
               <a:latin typeface="Garamond" charset="0"/>
@@ -9826,7 +8142,7 @@
               <a:rPr lang="en-US" sz="1200" smtClean="0">
                 <a:latin typeface="Garamond" charset="0"/>
               </a:rPr>
-              <a:t>3/30/18</a:t>
+              <a:t>4/4/18</a:t>
             </a:fld>
             <a:endParaRPr lang="en-US" sz="1200">
               <a:latin typeface="Garamond" charset="0"/>
@@ -10631,7 +8947,7 @@
               <a:rPr lang="en-US" sz="1200" smtClean="0">
                 <a:latin typeface="Garamond" charset="0"/>
               </a:rPr>
-              <a:t>3/30/18</a:t>
+              <a:t>4/4/18</a:t>
             </a:fld>
             <a:endParaRPr lang="en-US" sz="1200">
               <a:latin typeface="Garamond" charset="0"/>
@@ -11274,7 +9590,7 @@
               <a:rPr lang="en-US" sz="1200" smtClean="0">
                 <a:latin typeface="Garamond" charset="0"/>
               </a:rPr>
-              <a:t>3/30/18</a:t>
+              <a:t>4/4/18</a:t>
             </a:fld>
             <a:endParaRPr lang="en-US" sz="1200">
               <a:latin typeface="Garamond" charset="0"/>
@@ -12591,7 +10907,7 @@
                 <a:latin typeface="Garamond" charset="0"/>
                 <a:cs typeface="Arial" charset="0"/>
               </a:rPr>
-              <a:t>3/30/18</a:t>
+              <a:t>4/4/18</a:t>
             </a:fld>
             <a:endParaRPr lang="en-US" sz="1200">
               <a:latin typeface="Garamond" charset="0"/>
@@ -13258,7 +11574,7 @@
                 <a:latin typeface="Garamond" charset="0"/>
                 <a:cs typeface="Arial" charset="0"/>
               </a:rPr>
-              <a:t>3/30/18</a:t>
+              <a:t>4/4/18</a:t>
             </a:fld>
             <a:endParaRPr lang="en-US" sz="1200">
               <a:latin typeface="Garamond" charset="0"/>
@@ -13862,7 +12178,7 @@
                 <a:latin typeface="Garamond" charset="0"/>
                 <a:cs typeface="Arial" charset="0"/>
               </a:rPr>
-              <a:t>3/30/18</a:t>
+              <a:t>4/4/18</a:t>
             </a:fld>
             <a:endParaRPr lang="en-US" sz="1200">
               <a:latin typeface="Garamond" charset="0"/>
@@ -14599,7 +12915,7 @@
                 <a:latin typeface="Garamond" charset="0"/>
                 <a:cs typeface="Arial" charset="0"/>
               </a:rPr>
-              <a:t>3/30/18</a:t>
+              <a:t>4/4/18</a:t>
             </a:fld>
             <a:endParaRPr lang="en-US" sz="1200">
               <a:latin typeface="Garamond" charset="0"/>
